--- a/The Inner Workings of Inheritance in JavaScript.pptx
+++ b/The Inner Workings of Inheritance in JavaScript.pptx
@@ -325,7 +325,7 @@
           <a:p>
             <a:fld id="{A332F40A-25DD-5A46-98D4-473A9712F368}" type="datetimeFigureOut">
               <a:rPr lang="en-US" smtClean="0"/>
-              <a:t>10/27/19</a:t>
+              <a:t>10/28/19</a:t>
             </a:fld>
             <a:endParaRPr lang="en-US"/>
           </a:p>
@@ -523,7 +523,7 @@
           <a:p>
             <a:fld id="{A332F40A-25DD-5A46-98D4-473A9712F368}" type="datetimeFigureOut">
               <a:rPr lang="en-US" smtClean="0"/>
-              <a:t>10/27/19</a:t>
+              <a:t>10/28/19</a:t>
             </a:fld>
             <a:endParaRPr lang="en-US"/>
           </a:p>
@@ -731,7 +731,7 @@
           <a:p>
             <a:fld id="{A332F40A-25DD-5A46-98D4-473A9712F368}" type="datetimeFigureOut">
               <a:rPr lang="en-US" smtClean="0"/>
-              <a:t>10/27/19</a:t>
+              <a:t>10/28/19</a:t>
             </a:fld>
             <a:endParaRPr lang="en-US"/>
           </a:p>
@@ -929,7 +929,7 @@
           <a:p>
             <a:fld id="{A332F40A-25DD-5A46-98D4-473A9712F368}" type="datetimeFigureOut">
               <a:rPr lang="en-US" smtClean="0"/>
-              <a:t>10/27/19</a:t>
+              <a:t>10/28/19</a:t>
             </a:fld>
             <a:endParaRPr lang="en-US"/>
           </a:p>
@@ -1204,7 +1204,7 @@
           <a:p>
             <a:fld id="{A332F40A-25DD-5A46-98D4-473A9712F368}" type="datetimeFigureOut">
               <a:rPr lang="en-US" smtClean="0"/>
-              <a:t>10/27/19</a:t>
+              <a:t>10/28/19</a:t>
             </a:fld>
             <a:endParaRPr lang="en-US"/>
           </a:p>
@@ -1469,7 +1469,7 @@
           <a:p>
             <a:fld id="{A332F40A-25DD-5A46-98D4-473A9712F368}" type="datetimeFigureOut">
               <a:rPr lang="en-US" smtClean="0"/>
-              <a:t>10/27/19</a:t>
+              <a:t>10/28/19</a:t>
             </a:fld>
             <a:endParaRPr lang="en-US"/>
           </a:p>
@@ -1881,7 +1881,7 @@
           <a:p>
             <a:fld id="{A332F40A-25DD-5A46-98D4-473A9712F368}" type="datetimeFigureOut">
               <a:rPr lang="en-US" smtClean="0"/>
-              <a:t>10/27/19</a:t>
+              <a:t>10/28/19</a:t>
             </a:fld>
             <a:endParaRPr lang="en-US"/>
           </a:p>
@@ -2022,7 +2022,7 @@
           <a:p>
             <a:fld id="{A332F40A-25DD-5A46-98D4-473A9712F368}" type="datetimeFigureOut">
               <a:rPr lang="en-US" smtClean="0"/>
-              <a:t>10/27/19</a:t>
+              <a:t>10/28/19</a:t>
             </a:fld>
             <a:endParaRPr lang="en-US"/>
           </a:p>
@@ -2135,7 +2135,7 @@
           <a:p>
             <a:fld id="{A332F40A-25DD-5A46-98D4-473A9712F368}" type="datetimeFigureOut">
               <a:rPr lang="en-US" smtClean="0"/>
-              <a:t>10/27/19</a:t>
+              <a:t>10/28/19</a:t>
             </a:fld>
             <a:endParaRPr lang="en-US"/>
           </a:p>
@@ -2446,7 +2446,7 @@
           <a:p>
             <a:fld id="{A332F40A-25DD-5A46-98D4-473A9712F368}" type="datetimeFigureOut">
               <a:rPr lang="en-US" smtClean="0"/>
-              <a:t>10/27/19</a:t>
+              <a:t>10/28/19</a:t>
             </a:fld>
             <a:endParaRPr lang="en-US"/>
           </a:p>
@@ -2734,7 +2734,7 @@
           <a:p>
             <a:fld id="{A332F40A-25DD-5A46-98D4-473A9712F368}" type="datetimeFigureOut">
               <a:rPr lang="en-US" smtClean="0"/>
-              <a:t>10/27/19</a:t>
+              <a:t>10/28/19</a:t>
             </a:fld>
             <a:endParaRPr lang="en-US"/>
           </a:p>
@@ -2975,7 +2975,7 @@
           <a:p>
             <a:fld id="{A332F40A-25DD-5A46-98D4-473A9712F368}" type="datetimeFigureOut">
               <a:rPr lang="en-US" smtClean="0"/>
-              <a:t>10/27/19</a:t>
+              <a:t>10/28/19</a:t>
             </a:fld>
             <a:endParaRPr lang="en-US"/>
           </a:p>
@@ -18867,7 +18867,7 @@
                             </p:stCondLst>
                             <p:childTnLst>
                               <p:par>
-                                <p:cTn id="33" presetID="3" presetClass="entr" presetSubtype="10" fill="hold" grpId="0" nodeType="clickEffect">
+                                <p:cTn id="33" presetID="1" presetClass="entr" presetSubtype="0" fill="hold" grpId="0" nodeType="clickEffect">
                                   <p:stCondLst>
                                     <p:cond delay="0"/>
                                   </p:stCondLst>
@@ -18890,14 +18890,6 @@
                                         <p:strVal val="visible"/>
                                       </p:to>
                                     </p:set>
-                                    <p:animEffect transition="in" filter="blinds(horizontal)">
-                                      <p:cBhvr>
-                                        <p:cTn id="35" dur="10"/>
-                                        <p:tgtEl>
-                                          <p:spTgt spid="6"/>
-                                        </p:tgtEl>
-                                      </p:cBhvr>
-                                    </p:animEffect>
                                   </p:childTnLst>
                                 </p:cTn>
                               </p:par>
@@ -18908,26 +18900,26 @@
                     </p:cTn>
                   </p:par>
                   <p:par>
-                    <p:cTn id="36" fill="hold">
+                    <p:cTn id="35" fill="hold">
                       <p:stCondLst>
                         <p:cond delay="indefinite"/>
                       </p:stCondLst>
                       <p:childTnLst>
                         <p:par>
-                          <p:cTn id="37" fill="hold">
+                          <p:cTn id="36" fill="hold">
                             <p:stCondLst>
                               <p:cond delay="0"/>
                             </p:stCondLst>
                             <p:childTnLst>
                               <p:par>
-                                <p:cTn id="38" presetID="1" presetClass="entr" presetSubtype="0" fill="hold" nodeType="clickEffect">
-                                  <p:stCondLst>
-                                    <p:cond delay="0"/>
-                                  </p:stCondLst>
-                                  <p:childTnLst>
-                                    <p:set>
-                                      <p:cBhvr>
-                                        <p:cTn id="39" dur="1" fill="hold">
+                                <p:cTn id="37" presetID="1" presetClass="entr" presetSubtype="0" fill="hold" nodeType="clickEffect">
+                                  <p:stCondLst>
+                                    <p:cond delay="0"/>
+                                  </p:stCondLst>
+                                  <p:childTnLst>
+                                    <p:set>
+                                      <p:cBhvr>
+                                        <p:cTn id="38" dur="1" fill="hold">
                                           <p:stCondLst>
                                             <p:cond delay="0"/>
                                           </p:stCondLst>
@@ -18957,26 +18949,26 @@
                     </p:cTn>
                   </p:par>
                   <p:par>
-                    <p:cTn id="40" fill="hold">
+                    <p:cTn id="39" fill="hold">
                       <p:stCondLst>
                         <p:cond delay="indefinite"/>
                       </p:stCondLst>
                       <p:childTnLst>
                         <p:par>
-                          <p:cTn id="41" fill="hold">
+                          <p:cTn id="40" fill="hold">
                             <p:stCondLst>
                               <p:cond delay="0"/>
                             </p:stCondLst>
                             <p:childTnLst>
                               <p:par>
-                                <p:cTn id="42" presetID="1" presetClass="entr" presetSubtype="0" fill="hold" nodeType="clickEffect">
-                                  <p:stCondLst>
-                                    <p:cond delay="0"/>
-                                  </p:stCondLst>
-                                  <p:childTnLst>
-                                    <p:set>
-                                      <p:cBhvr>
-                                        <p:cTn id="43" dur="1" fill="hold">
+                                <p:cTn id="41" presetID="1" presetClass="entr" presetSubtype="0" fill="hold" nodeType="clickEffect">
+                                  <p:stCondLst>
+                                    <p:cond delay="0"/>
+                                  </p:stCondLst>
+                                  <p:childTnLst>
+                                    <p:set>
+                                      <p:cBhvr>
+                                        <p:cTn id="42" dur="1" fill="hold">
                                           <p:stCondLst>
                                             <p:cond delay="0"/>
                                           </p:stCondLst>
@@ -19006,26 +18998,26 @@
                     </p:cTn>
                   </p:par>
                   <p:par>
-                    <p:cTn id="44" fill="hold">
+                    <p:cTn id="43" fill="hold">
                       <p:stCondLst>
                         <p:cond delay="indefinite"/>
                       </p:stCondLst>
                       <p:childTnLst>
                         <p:par>
-                          <p:cTn id="45" fill="hold">
+                          <p:cTn id="44" fill="hold">
                             <p:stCondLst>
                               <p:cond delay="0"/>
                             </p:stCondLst>
                             <p:childTnLst>
                               <p:par>
-                                <p:cTn id="46" presetID="1" presetClass="entr" presetSubtype="0" fill="hold" nodeType="clickEffect">
-                                  <p:stCondLst>
-                                    <p:cond delay="0"/>
-                                  </p:stCondLst>
-                                  <p:childTnLst>
-                                    <p:set>
-                                      <p:cBhvr>
-                                        <p:cTn id="47" dur="1" fill="hold">
+                                <p:cTn id="45" presetID="1" presetClass="entr" presetSubtype="0" fill="hold" nodeType="clickEffect">
+                                  <p:stCondLst>
+                                    <p:cond delay="0"/>
+                                  </p:stCondLst>
+                                  <p:childTnLst>
+                                    <p:set>
+                                      <p:cBhvr>
+                                        <p:cTn id="46" dur="1" fill="hold">
                                           <p:stCondLst>
                                             <p:cond delay="0"/>
                                           </p:stCondLst>
@@ -19055,26 +19047,26 @@
                     </p:cTn>
                   </p:par>
                   <p:par>
-                    <p:cTn id="48" fill="hold">
+                    <p:cTn id="47" fill="hold">
                       <p:stCondLst>
                         <p:cond delay="indefinite"/>
                       </p:stCondLst>
                       <p:childTnLst>
                         <p:par>
-                          <p:cTn id="49" fill="hold">
+                          <p:cTn id="48" fill="hold">
                             <p:stCondLst>
                               <p:cond delay="0"/>
                             </p:stCondLst>
                             <p:childTnLst>
                               <p:par>
-                                <p:cTn id="50" presetID="1" presetClass="entr" presetSubtype="0" fill="hold" nodeType="clickEffect">
-                                  <p:stCondLst>
-                                    <p:cond delay="0"/>
-                                  </p:stCondLst>
-                                  <p:childTnLst>
-                                    <p:set>
-                                      <p:cBhvr>
-                                        <p:cTn id="51" dur="1" fill="hold">
+                                <p:cTn id="49" presetID="1" presetClass="entr" presetSubtype="0" fill="hold" nodeType="clickEffect">
+                                  <p:stCondLst>
+                                    <p:cond delay="0"/>
+                                  </p:stCondLst>
+                                  <p:childTnLst>
+                                    <p:set>
+                                      <p:cBhvr>
+                                        <p:cTn id="50" dur="1" fill="hold">
                                           <p:stCondLst>
                                             <p:cond delay="0"/>
                                           </p:stCondLst>
@@ -19104,26 +19096,26 @@
                     </p:cTn>
                   </p:par>
                   <p:par>
-                    <p:cTn id="52" fill="hold">
+                    <p:cTn id="51" fill="hold">
                       <p:stCondLst>
                         <p:cond delay="indefinite"/>
                       </p:stCondLst>
                       <p:childTnLst>
                         <p:par>
-                          <p:cTn id="53" fill="hold">
+                          <p:cTn id="52" fill="hold">
                             <p:stCondLst>
                               <p:cond delay="0"/>
                             </p:stCondLst>
                             <p:childTnLst>
                               <p:par>
-                                <p:cTn id="54" presetID="1" presetClass="entr" presetSubtype="0" fill="hold" nodeType="clickEffect">
-                                  <p:stCondLst>
-                                    <p:cond delay="0"/>
-                                  </p:stCondLst>
-                                  <p:childTnLst>
-                                    <p:set>
-                                      <p:cBhvr>
-                                        <p:cTn id="55" dur="1" fill="hold">
+                                <p:cTn id="53" presetID="1" presetClass="entr" presetSubtype="0" fill="hold" nodeType="clickEffect">
+                                  <p:stCondLst>
+                                    <p:cond delay="0"/>
+                                  </p:stCondLst>
+                                  <p:childTnLst>
+                                    <p:set>
+                                      <p:cBhvr>
+                                        <p:cTn id="54" dur="1" fill="hold">
                                           <p:stCondLst>
                                             <p:cond delay="0"/>
                                           </p:stCondLst>
@@ -19153,26 +19145,26 @@
                     </p:cTn>
                   </p:par>
                   <p:par>
-                    <p:cTn id="56" fill="hold">
+                    <p:cTn id="55" fill="hold">
                       <p:stCondLst>
                         <p:cond delay="indefinite"/>
                       </p:stCondLst>
                       <p:childTnLst>
                         <p:par>
-                          <p:cTn id="57" fill="hold">
+                          <p:cTn id="56" fill="hold">
                             <p:stCondLst>
                               <p:cond delay="0"/>
                             </p:stCondLst>
                             <p:childTnLst>
                               <p:par>
-                                <p:cTn id="58" presetID="1" presetClass="entr" presetSubtype="0" fill="hold" grpId="0" nodeType="clickEffect">
-                                  <p:stCondLst>
-                                    <p:cond delay="0"/>
-                                  </p:stCondLst>
-                                  <p:childTnLst>
-                                    <p:set>
-                                      <p:cBhvr>
-                                        <p:cTn id="59" dur="1" fill="hold">
+                                <p:cTn id="57" presetID="1" presetClass="entr" presetSubtype="0" fill="hold" grpId="0" nodeType="clickEffect">
+                                  <p:stCondLst>
+                                    <p:cond delay="0"/>
+                                  </p:stCondLst>
+                                  <p:childTnLst>
+                                    <p:set>
+                                      <p:cBhvr>
+                                        <p:cTn id="58" dur="1" fill="hold">
                                           <p:stCondLst>
                                             <p:cond delay="0"/>
                                           </p:stCondLst>
@@ -19192,14 +19184,14 @@
                                 </p:cTn>
                               </p:par>
                               <p:par>
-                                <p:cTn id="60" presetID="1" presetClass="entr" presetSubtype="0" fill="hold" grpId="0" nodeType="withEffect">
-                                  <p:stCondLst>
-                                    <p:cond delay="0"/>
-                                  </p:stCondLst>
-                                  <p:childTnLst>
-                                    <p:set>
-                                      <p:cBhvr>
-                                        <p:cTn id="61" dur="1" fill="hold">
+                                <p:cTn id="59" presetID="1" presetClass="entr" presetSubtype="0" fill="hold" grpId="0" nodeType="withEffect">
+                                  <p:stCondLst>
+                                    <p:cond delay="0"/>
+                                  </p:stCondLst>
+                                  <p:childTnLst>
+                                    <p:set>
+                                      <p:cBhvr>
+                                        <p:cTn id="60" dur="1" fill="hold">
                                           <p:stCondLst>
                                             <p:cond delay="0"/>
                                           </p:stCondLst>
@@ -19225,26 +19217,26 @@
                     </p:cTn>
                   </p:par>
                   <p:par>
-                    <p:cTn id="62" fill="hold">
+                    <p:cTn id="61" fill="hold">
                       <p:stCondLst>
                         <p:cond delay="indefinite"/>
                       </p:stCondLst>
                       <p:childTnLst>
                         <p:par>
-                          <p:cTn id="63" fill="hold">
+                          <p:cTn id="62" fill="hold">
                             <p:stCondLst>
                               <p:cond delay="0"/>
                             </p:stCondLst>
                             <p:childTnLst>
                               <p:par>
-                                <p:cTn id="64" presetID="1" presetClass="entr" presetSubtype="0" fill="hold" grpId="0" nodeType="clickEffect">
-                                  <p:stCondLst>
-                                    <p:cond delay="0"/>
-                                  </p:stCondLst>
-                                  <p:childTnLst>
-                                    <p:set>
-                                      <p:cBhvr>
-                                        <p:cTn id="65" dur="1" fill="hold">
+                                <p:cTn id="63" presetID="1" presetClass="entr" presetSubtype="0" fill="hold" grpId="0" nodeType="clickEffect">
+                                  <p:stCondLst>
+                                    <p:cond delay="0"/>
+                                  </p:stCondLst>
+                                  <p:childTnLst>
+                                    <p:set>
+                                      <p:cBhvr>
+                                        <p:cTn id="64" dur="1" fill="hold">
                                           <p:stCondLst>
                                             <p:cond delay="0"/>
                                           </p:stCondLst>
@@ -19264,14 +19256,14 @@
                                 </p:cTn>
                               </p:par>
                               <p:par>
-                                <p:cTn id="66" presetID="1" presetClass="entr" presetSubtype="0" fill="hold" grpId="0" nodeType="withEffect">
-                                  <p:stCondLst>
-                                    <p:cond delay="0"/>
-                                  </p:stCondLst>
-                                  <p:childTnLst>
-                                    <p:set>
-                                      <p:cBhvr>
-                                        <p:cTn id="67" dur="1" fill="hold">
+                                <p:cTn id="65" presetID="1" presetClass="entr" presetSubtype="0" fill="hold" grpId="0" nodeType="withEffect">
+                                  <p:stCondLst>
+                                    <p:cond delay="0"/>
+                                  </p:stCondLst>
+                                  <p:childTnLst>
+                                    <p:set>
+                                      <p:cBhvr>
+                                        <p:cTn id="66" dur="1" fill="hold">
                                           <p:stCondLst>
                                             <p:cond delay="0"/>
                                           </p:stCondLst>
@@ -20058,7 +20050,7 @@
                             </p:stCondLst>
                             <p:childTnLst>
                               <p:par>
-                                <p:cTn id="27" presetID="3" presetClass="entr" presetSubtype="10" fill="hold" grpId="0" nodeType="clickEffect">
+                                <p:cTn id="27" presetID="1" presetClass="entr" presetSubtype="0" fill="hold" grpId="0" nodeType="clickEffect">
                                   <p:stCondLst>
                                     <p:cond delay="0"/>
                                   </p:stCondLst>
@@ -20081,14 +20073,6 @@
                                         <p:strVal val="visible"/>
                                       </p:to>
                                     </p:set>
-                                    <p:animEffect transition="in" filter="blinds(horizontal)">
-                                      <p:cBhvr>
-                                        <p:cTn id="29" dur="10"/>
-                                        <p:tgtEl>
-                                          <p:spTgt spid="9"/>
-                                        </p:tgtEl>
-                                      </p:cBhvr>
-                                    </p:animEffect>
                                   </p:childTnLst>
                                 </p:cTn>
                               </p:par>
@@ -20099,26 +20083,26 @@
                     </p:cTn>
                   </p:par>
                   <p:par>
-                    <p:cTn id="30" fill="hold">
+                    <p:cTn id="29" fill="hold">
                       <p:stCondLst>
                         <p:cond delay="indefinite"/>
                       </p:stCondLst>
                       <p:childTnLst>
                         <p:par>
-                          <p:cTn id="31" fill="hold">
+                          <p:cTn id="30" fill="hold">
                             <p:stCondLst>
                               <p:cond delay="0"/>
                             </p:stCondLst>
                             <p:childTnLst>
                               <p:par>
-                                <p:cTn id="32" presetID="1" presetClass="entr" presetSubtype="0" fill="hold" nodeType="clickEffect">
-                                  <p:stCondLst>
-                                    <p:cond delay="0"/>
-                                  </p:stCondLst>
-                                  <p:childTnLst>
-                                    <p:set>
-                                      <p:cBhvr>
-                                        <p:cTn id="33" dur="1" fill="hold">
+                                <p:cTn id="31" presetID="1" presetClass="entr" presetSubtype="0" fill="hold" nodeType="clickEffect">
+                                  <p:stCondLst>
+                                    <p:cond delay="0"/>
+                                  </p:stCondLst>
+                                  <p:childTnLst>
+                                    <p:set>
+                                      <p:cBhvr>
+                                        <p:cTn id="32" dur="1" fill="hold">
                                           <p:stCondLst>
                                             <p:cond delay="0"/>
                                           </p:stCondLst>
@@ -20142,14 +20126,14 @@
                                 </p:cTn>
                               </p:par>
                               <p:par>
-                                <p:cTn id="34" presetID="1" presetClass="entr" presetSubtype="0" fill="hold" nodeType="withEffect">
-                                  <p:stCondLst>
-                                    <p:cond delay="0"/>
-                                  </p:stCondLst>
-                                  <p:childTnLst>
-                                    <p:set>
-                                      <p:cBhvr>
-                                        <p:cTn id="35" dur="1" fill="hold">
+                                <p:cTn id="33" presetID="1" presetClass="entr" presetSubtype="0" fill="hold" nodeType="withEffect">
+                                  <p:stCondLst>
+                                    <p:cond delay="0"/>
+                                  </p:stCondLst>
+                                  <p:childTnLst>
+                                    <p:set>
+                                      <p:cBhvr>
+                                        <p:cTn id="34" dur="1" fill="hold">
                                           <p:stCondLst>
                                             <p:cond delay="0"/>
                                           </p:stCondLst>
@@ -20173,14 +20157,14 @@
                                 </p:cTn>
                               </p:par>
                               <p:par>
-                                <p:cTn id="36" presetID="1" presetClass="entr" presetSubtype="0" fill="hold" nodeType="withEffect">
-                                  <p:stCondLst>
-                                    <p:cond delay="0"/>
-                                  </p:stCondLst>
-                                  <p:childTnLst>
-                                    <p:set>
-                                      <p:cBhvr>
-                                        <p:cTn id="37" dur="1" fill="hold">
+                                <p:cTn id="35" presetID="1" presetClass="entr" presetSubtype="0" fill="hold" nodeType="withEffect">
+                                  <p:stCondLst>
+                                    <p:cond delay="0"/>
+                                  </p:stCondLst>
+                                  <p:childTnLst>
+                                    <p:set>
+                                      <p:cBhvr>
+                                        <p:cTn id="36" dur="1" fill="hold">
                                           <p:stCondLst>
                                             <p:cond delay="0"/>
                                           </p:stCondLst>
@@ -20204,14 +20188,14 @@
                                 </p:cTn>
                               </p:par>
                               <p:par>
-                                <p:cTn id="38" presetID="1" presetClass="entr" presetSubtype="0" fill="hold" nodeType="withEffect">
-                                  <p:stCondLst>
-                                    <p:cond delay="0"/>
-                                  </p:stCondLst>
-                                  <p:childTnLst>
-                                    <p:set>
-                                      <p:cBhvr>
-                                        <p:cTn id="39" dur="1" fill="hold">
+                                <p:cTn id="37" presetID="1" presetClass="entr" presetSubtype="0" fill="hold" nodeType="withEffect">
+                                  <p:stCondLst>
+                                    <p:cond delay="0"/>
+                                  </p:stCondLst>
+                                  <p:childTnLst>
+                                    <p:set>
+                                      <p:cBhvr>
+                                        <p:cTn id="38" dur="1" fill="hold">
                                           <p:stCondLst>
                                             <p:cond delay="0"/>
                                           </p:stCondLst>
@@ -20241,26 +20225,26 @@
                     </p:cTn>
                   </p:par>
                   <p:par>
-                    <p:cTn id="40" fill="hold">
+                    <p:cTn id="39" fill="hold">
                       <p:stCondLst>
                         <p:cond delay="indefinite"/>
                       </p:stCondLst>
                       <p:childTnLst>
                         <p:par>
-                          <p:cTn id="41" fill="hold">
+                          <p:cTn id="40" fill="hold">
                             <p:stCondLst>
                               <p:cond delay="0"/>
                             </p:stCondLst>
                             <p:childTnLst>
                               <p:par>
-                                <p:cTn id="42" presetID="1" presetClass="entr" presetSubtype="0" fill="hold" nodeType="clickEffect">
-                                  <p:stCondLst>
-                                    <p:cond delay="0"/>
-                                  </p:stCondLst>
-                                  <p:childTnLst>
-                                    <p:set>
-                                      <p:cBhvr>
-                                        <p:cTn id="43" dur="1" fill="hold">
+                                <p:cTn id="41" presetID="1" presetClass="entr" presetSubtype="0" fill="hold" nodeType="clickEffect">
+                                  <p:stCondLst>
+                                    <p:cond delay="0"/>
+                                  </p:stCondLst>
+                                  <p:childTnLst>
+                                    <p:set>
+                                      <p:cBhvr>
+                                        <p:cTn id="42" dur="1" fill="hold">
                                           <p:stCondLst>
                                             <p:cond delay="0"/>
                                           </p:stCondLst>
@@ -20284,14 +20268,14 @@
                                 </p:cTn>
                               </p:par>
                               <p:par>
-                                <p:cTn id="44" presetID="1" presetClass="entr" presetSubtype="0" fill="hold" nodeType="withEffect">
-                                  <p:stCondLst>
-                                    <p:cond delay="0"/>
-                                  </p:stCondLst>
-                                  <p:childTnLst>
-                                    <p:set>
-                                      <p:cBhvr>
-                                        <p:cTn id="45" dur="1" fill="hold">
+                                <p:cTn id="43" presetID="1" presetClass="entr" presetSubtype="0" fill="hold" nodeType="withEffect">
+                                  <p:stCondLst>
+                                    <p:cond delay="0"/>
+                                  </p:stCondLst>
+                                  <p:childTnLst>
+                                    <p:set>
+                                      <p:cBhvr>
+                                        <p:cTn id="44" dur="1" fill="hold">
                                           <p:stCondLst>
                                             <p:cond delay="0"/>
                                           </p:stCondLst>
@@ -20315,14 +20299,14 @@
                                 </p:cTn>
                               </p:par>
                               <p:par>
-                                <p:cTn id="46" presetID="1" presetClass="entr" presetSubtype="0" fill="hold" nodeType="withEffect">
-                                  <p:stCondLst>
-                                    <p:cond delay="0"/>
-                                  </p:stCondLst>
-                                  <p:childTnLst>
-                                    <p:set>
-                                      <p:cBhvr>
-                                        <p:cTn id="47" dur="1" fill="hold">
+                                <p:cTn id="45" presetID="1" presetClass="entr" presetSubtype="0" fill="hold" nodeType="withEffect">
+                                  <p:stCondLst>
+                                    <p:cond delay="0"/>
+                                  </p:stCondLst>
+                                  <p:childTnLst>
+                                    <p:set>
+                                      <p:cBhvr>
+                                        <p:cTn id="46" dur="1" fill="hold">
                                           <p:stCondLst>
                                             <p:cond delay="0"/>
                                           </p:stCondLst>
@@ -20352,26 +20336,26 @@
                     </p:cTn>
                   </p:par>
                   <p:par>
-                    <p:cTn id="48" fill="hold">
+                    <p:cTn id="47" fill="hold">
                       <p:stCondLst>
                         <p:cond delay="indefinite"/>
                       </p:stCondLst>
                       <p:childTnLst>
                         <p:par>
-                          <p:cTn id="49" fill="hold">
+                          <p:cTn id="48" fill="hold">
                             <p:stCondLst>
                               <p:cond delay="0"/>
                             </p:stCondLst>
                             <p:childTnLst>
                               <p:par>
-                                <p:cTn id="50" presetID="1" presetClass="entr" presetSubtype="0" fill="hold" nodeType="clickEffect">
-                                  <p:stCondLst>
-                                    <p:cond delay="0"/>
-                                  </p:stCondLst>
-                                  <p:childTnLst>
-                                    <p:set>
-                                      <p:cBhvr>
-                                        <p:cTn id="51" dur="1" fill="hold">
+                                <p:cTn id="49" presetID="1" presetClass="entr" presetSubtype="0" fill="hold" nodeType="clickEffect">
+                                  <p:stCondLst>
+                                    <p:cond delay="0"/>
+                                  </p:stCondLst>
+                                  <p:childTnLst>
+                                    <p:set>
+                                      <p:cBhvr>
+                                        <p:cTn id="50" dur="1" fill="hold">
                                           <p:stCondLst>
                                             <p:cond delay="0"/>
                                           </p:stCondLst>
@@ -20401,26 +20385,26 @@
                     </p:cTn>
                   </p:par>
                   <p:par>
-                    <p:cTn id="52" fill="hold">
+                    <p:cTn id="51" fill="hold">
                       <p:stCondLst>
                         <p:cond delay="indefinite"/>
                       </p:stCondLst>
                       <p:childTnLst>
                         <p:par>
-                          <p:cTn id="53" fill="hold">
+                          <p:cTn id="52" fill="hold">
                             <p:stCondLst>
                               <p:cond delay="0"/>
                             </p:stCondLst>
                             <p:childTnLst>
                               <p:par>
-                                <p:cTn id="54" presetID="1" presetClass="entr" presetSubtype="0" fill="hold" nodeType="clickEffect">
-                                  <p:stCondLst>
-                                    <p:cond delay="0"/>
-                                  </p:stCondLst>
-                                  <p:childTnLst>
-                                    <p:set>
-                                      <p:cBhvr>
-                                        <p:cTn id="55" dur="1" fill="hold">
+                                <p:cTn id="53" presetID="1" presetClass="entr" presetSubtype="0" fill="hold" nodeType="clickEffect">
+                                  <p:stCondLst>
+                                    <p:cond delay="0"/>
+                                  </p:stCondLst>
+                                  <p:childTnLst>
+                                    <p:set>
+                                      <p:cBhvr>
+                                        <p:cTn id="54" dur="1" fill="hold">
                                           <p:stCondLst>
                                             <p:cond delay="0"/>
                                           </p:stCondLst>
@@ -20444,14 +20428,14 @@
                                 </p:cTn>
                               </p:par>
                               <p:par>
-                                <p:cTn id="56" presetID="1" presetClass="entr" presetSubtype="0" fill="hold" nodeType="withEffect">
-                                  <p:stCondLst>
-                                    <p:cond delay="0"/>
-                                  </p:stCondLst>
-                                  <p:childTnLst>
-                                    <p:set>
-                                      <p:cBhvr>
-                                        <p:cTn id="57" dur="1" fill="hold">
+                                <p:cTn id="55" presetID="1" presetClass="entr" presetSubtype="0" fill="hold" nodeType="withEffect">
+                                  <p:stCondLst>
+                                    <p:cond delay="0"/>
+                                  </p:stCondLst>
+                                  <p:childTnLst>
+                                    <p:set>
+                                      <p:cBhvr>
+                                        <p:cTn id="56" dur="1" fill="hold">
                                           <p:stCondLst>
                                             <p:cond delay="0"/>
                                           </p:stCondLst>
@@ -20475,14 +20459,14 @@
                                 </p:cTn>
                               </p:par>
                               <p:par>
-                                <p:cTn id="58" presetID="1" presetClass="entr" presetSubtype="0" fill="hold" nodeType="withEffect">
-                                  <p:stCondLst>
-                                    <p:cond delay="0"/>
-                                  </p:stCondLst>
-                                  <p:childTnLst>
-                                    <p:set>
-                                      <p:cBhvr>
-                                        <p:cTn id="59" dur="1" fill="hold">
+                                <p:cTn id="57" presetID="1" presetClass="entr" presetSubtype="0" fill="hold" nodeType="withEffect">
+                                  <p:stCondLst>
+                                    <p:cond delay="0"/>
+                                  </p:stCondLst>
+                                  <p:childTnLst>
+                                    <p:set>
+                                      <p:cBhvr>
+                                        <p:cTn id="58" dur="1" fill="hold">
                                           <p:stCondLst>
                                             <p:cond delay="0"/>
                                           </p:stCondLst>
@@ -41674,7 +41658,12 @@
             <p:ph type="title"/>
           </p:nvPr>
         </p:nvSpPr>
-        <p:spPr/>
+        <p:spPr>
+          <a:xfrm>
+            <a:off x="738809" y="3804064"/>
+            <a:ext cx="10515600" cy="1325563"/>
+          </a:xfrm>
+        </p:spPr>
         <p:txBody>
           <a:bodyPr/>
           <a:lstStyle/>
@@ -41703,8 +41692,8 @@
         </p:nvSpPr>
         <p:spPr>
           <a:xfrm>
-            <a:off x="616226" y="2302565"/>
-            <a:ext cx="10959548" cy="4024378"/>
+            <a:off x="616226" y="1450449"/>
+            <a:ext cx="10959548" cy="636413"/>
           </a:xfrm>
           <a:prstGeom prst="rect">
             <a:avLst/>
@@ -41751,7 +41740,7 @@
         </p:nvSpPr>
         <p:spPr>
           <a:xfrm>
-            <a:off x="3930921" y="4314754"/>
+            <a:off x="3831530" y="2207658"/>
             <a:ext cx="4330158" cy="461665"/>
           </a:xfrm>
           <a:prstGeom prst="rect">
